--- a/R/Results/imperfect_obs/TJHcarn_envmat.pptx
+++ b/R/Results/imperfect_obs/TJHcarn_envmat.pptx
@@ -3108,10 +3108,10 @@
         </p:nvGrpSpPr>
         <p:grpSpPr>
           <a:xfrm>
-            <a:off x="2582069" y="1304925"/>
-            <a:ext cx="5534024" cy="4952999"/>
-            <a:chOff x="2582069" y="1304925"/>
-            <a:chExt cx="5534024" cy="4952999"/>
+            <a:off x="2586831" y="1304925"/>
+            <a:ext cx="5524499" cy="4952999"/>
+            <a:chOff x="2586831" y="1304925"/>
+            <a:chExt cx="5524499" cy="4952999"/>
           </a:xfrm>
         </p:grpSpPr>
         <p:sp>
@@ -3122,8 +3122,8 @@
           </p:nvSpPr>
           <p:spPr>
             <a:xfrm>
-              <a:off x="2582069" y="1304925"/>
-              <a:ext cx="5534024" cy="4952999"/>
+              <a:off x="2586831" y="1304925"/>
+              <a:ext cx="5524499" cy="4952999"/>
             </a:xfrm>
             <a:prstGeom prst="rect">
               <a:avLst/>
@@ -3713,7 +3713,7 @@
           </p:nvSpPr>
           <p:spPr>
             <a:xfrm>
-              <a:off x="3331877" y="2054733"/>
+              <a:off x="3336639" y="2054733"/>
               <a:ext cx="0" cy="3270504"/>
             </a:xfrm>
             <a:custGeom>
@@ -3753,15 +3753,15 @@
           </p:nvSpPr>
           <p:spPr>
             <a:xfrm>
-              <a:off x="3240437" y="5325237"/>
-              <a:ext cx="91440" cy="0"/>
+              <a:off x="3245199" y="5325237"/>
+              <a:ext cx="91439" cy="0"/>
             </a:xfrm>
             <a:custGeom>
               <a:avLst/>
               <a:pathLst>
-                <a:path w="91440" h="0">
+                <a:path w="91439" h="0">
                   <a:moveTo>
-                    <a:pt x="91440" y="0"/>
+                    <a:pt x="91439" y="0"/>
                   </a:moveTo>
                   <a:lnTo>
                     <a:pt x="0" y="0"/>
@@ -3793,15 +3793,15 @@
           </p:nvSpPr>
           <p:spPr>
             <a:xfrm>
-              <a:off x="3240437" y="4671136"/>
-              <a:ext cx="91440" cy="0"/>
+              <a:off x="3245199" y="4671136"/>
+              <a:ext cx="91439" cy="0"/>
             </a:xfrm>
             <a:custGeom>
               <a:avLst/>
               <a:pathLst>
-                <a:path w="91440" h="0">
+                <a:path w="91439" h="0">
                   <a:moveTo>
-                    <a:pt x="91440" y="0"/>
+                    <a:pt x="91439" y="0"/>
                   </a:moveTo>
                   <a:lnTo>
                     <a:pt x="0" y="0"/>
@@ -3833,15 +3833,15 @@
           </p:nvSpPr>
           <p:spPr>
             <a:xfrm>
-              <a:off x="3240437" y="4017035"/>
-              <a:ext cx="91440" cy="0"/>
+              <a:off x="3245199" y="4017035"/>
+              <a:ext cx="91439" cy="0"/>
             </a:xfrm>
             <a:custGeom>
               <a:avLst/>
               <a:pathLst>
-                <a:path w="91440" h="0">
+                <a:path w="91439" h="0">
                   <a:moveTo>
-                    <a:pt x="91440" y="0"/>
+                    <a:pt x="91439" y="0"/>
                   </a:moveTo>
                   <a:lnTo>
                     <a:pt x="0" y="0"/>
@@ -3873,15 +3873,15 @@
           </p:nvSpPr>
           <p:spPr>
             <a:xfrm>
-              <a:off x="3240437" y="3362934"/>
-              <a:ext cx="91440" cy="0"/>
+              <a:off x="3245199" y="3362934"/>
+              <a:ext cx="91439" cy="0"/>
             </a:xfrm>
             <a:custGeom>
               <a:avLst/>
               <a:pathLst>
-                <a:path w="91440" h="0">
+                <a:path w="91439" h="0">
                   <a:moveTo>
-                    <a:pt x="91440" y="0"/>
+                    <a:pt x="91439" y="0"/>
                   </a:moveTo>
                   <a:lnTo>
                     <a:pt x="0" y="0"/>
@@ -3913,15 +3913,15 @@
           </p:nvSpPr>
           <p:spPr>
             <a:xfrm>
-              <a:off x="3240437" y="2708833"/>
-              <a:ext cx="91440" cy="0"/>
+              <a:off x="3245199" y="2708833"/>
+              <a:ext cx="91439" cy="0"/>
             </a:xfrm>
             <a:custGeom>
               <a:avLst/>
               <a:pathLst>
-                <a:path w="91440" h="0">
+                <a:path w="91439" h="0">
                   <a:moveTo>
-                    <a:pt x="91440" y="0"/>
+                    <a:pt x="91439" y="0"/>
                   </a:moveTo>
                   <a:lnTo>
                     <a:pt x="0" y="0"/>
@@ -3953,15 +3953,15 @@
           </p:nvSpPr>
           <p:spPr>
             <a:xfrm>
-              <a:off x="3240437" y="2054733"/>
-              <a:ext cx="91440" cy="0"/>
+              <a:off x="3245199" y="2054733"/>
+              <a:ext cx="91439" cy="0"/>
             </a:xfrm>
             <a:custGeom>
               <a:avLst/>
               <a:pathLst>
-                <a:path w="91440" h="0">
+                <a:path w="91439" h="0">
                   <a:moveTo>
-                    <a:pt x="91440" y="0"/>
+                    <a:pt x="91439" y="0"/>
                   </a:moveTo>
                   <a:lnTo>
                     <a:pt x="0" y="0"/>
@@ -3993,7 +3993,7 @@
           </p:nvSpPr>
           <p:spPr>
             <a:xfrm rot="-5400000">
-              <a:off x="2950793" y="5269538"/>
+              <a:off x="2955556" y="5269538"/>
               <a:ext cx="211856" cy="111397"/>
             </a:xfrm>
             <a:prstGeom prst="rect">
@@ -4039,7 +4039,7 @@
           </p:nvSpPr>
           <p:spPr>
             <a:xfrm rot="-5400000">
-              <a:off x="2950793" y="4615437"/>
+              <a:off x="2955556" y="4615437"/>
               <a:ext cx="211856" cy="111397"/>
             </a:xfrm>
             <a:prstGeom prst="rect">
@@ -4085,7 +4085,7 @@
           </p:nvSpPr>
           <p:spPr>
             <a:xfrm rot="-5400000">
-              <a:off x="2950793" y="3961336"/>
+              <a:off x="2955556" y="3961336"/>
               <a:ext cx="211856" cy="111397"/>
             </a:xfrm>
             <a:prstGeom prst="rect">
@@ -4131,7 +4131,7 @@
           </p:nvSpPr>
           <p:spPr>
             <a:xfrm rot="-5400000">
-              <a:off x="2950793" y="3307235"/>
+              <a:off x="2955556" y="3307235"/>
               <a:ext cx="211856" cy="111397"/>
             </a:xfrm>
             <a:prstGeom prst="rect">
@@ -4177,7 +4177,7 @@
           </p:nvSpPr>
           <p:spPr>
             <a:xfrm rot="-5400000">
-              <a:off x="2950793" y="2653134"/>
+              <a:off x="2955556" y="2653134"/>
               <a:ext cx="211856" cy="111397"/>
             </a:xfrm>
             <a:prstGeom prst="rect">
@@ -4223,7 +4223,7 @@
           </p:nvSpPr>
           <p:spPr>
             <a:xfrm rot="-5400000">
-              <a:off x="2950793" y="1999034"/>
+              <a:off x="2955556" y="1999034"/>
               <a:ext cx="211856" cy="111397"/>
             </a:xfrm>
             <a:prstGeom prst="rect">
@@ -4269,21 +4269,21 @@
           </p:nvSpPr>
           <p:spPr>
             <a:xfrm>
-              <a:off x="3331877" y="2054733"/>
-              <a:ext cx="3714368" cy="3270504"/>
+              <a:off x="3336639" y="2054733"/>
+              <a:ext cx="3704843" cy="3270504"/>
             </a:xfrm>
             <a:custGeom>
               <a:avLst/>
               <a:pathLst>
-                <a:path w="3714368" h="3270504">
+                <a:path w="3704843" h="3270504">
                   <a:moveTo>
                     <a:pt x="0" y="3270504"/>
                   </a:moveTo>
                   <a:lnTo>
-                    <a:pt x="3714368" y="3270504"/>
+                    <a:pt x="3704843" y="3270504"/>
                   </a:lnTo>
                   <a:lnTo>
-                    <a:pt x="3714368" y="0"/>
+                    <a:pt x="3704843" y="0"/>
                   </a:lnTo>
                   <a:lnTo>
                     <a:pt x="0" y="0"/>
@@ -4346,7 +4346,7 @@
           </p:blipFill>
           <p:spPr>
             <a:xfrm>
-              <a:off x="7334282" y="2872359"/>
+              <a:off x="7329519" y="2872359"/>
               <a:ext cx="82295" cy="1635252"/>
             </a:xfrm>
             <a:prstGeom prst="rect">
@@ -4362,7 +4362,7 @@
           </p:nvSpPr>
           <p:spPr>
             <a:xfrm>
-              <a:off x="7416577" y="3177430"/>
+              <a:off x="7411815" y="3177430"/>
               <a:ext cx="0" cy="1027977"/>
             </a:xfrm>
             <a:custGeom>
@@ -4402,7 +4402,7 @@
           </p:nvSpPr>
           <p:spPr>
             <a:xfrm>
-              <a:off x="7416577" y="4205407"/>
+              <a:off x="7411815" y="4205407"/>
               <a:ext cx="91440" cy="0"/>
             </a:xfrm>
             <a:custGeom>
@@ -4442,7 +4442,7 @@
           </p:nvSpPr>
           <p:spPr>
             <a:xfrm>
-              <a:off x="7416577" y="3691418"/>
+              <a:off x="7411815" y="3691418"/>
               <a:ext cx="91440" cy="0"/>
             </a:xfrm>
             <a:custGeom>
@@ -4482,7 +4482,7 @@
           </p:nvSpPr>
           <p:spPr>
             <a:xfrm>
-              <a:off x="7416577" y="3177430"/>
+              <a:off x="7411815" y="3177430"/>
               <a:ext cx="91440" cy="0"/>
             </a:xfrm>
             <a:custGeom>
@@ -4522,7 +4522,7 @@
           </p:nvSpPr>
           <p:spPr>
             <a:xfrm>
-              <a:off x="7599458" y="4148555"/>
+              <a:off x="7594695" y="4148555"/>
               <a:ext cx="347364" cy="111397"/>
             </a:xfrm>
             <a:prstGeom prst="rect">
@@ -4568,7 +4568,7 @@
           </p:nvSpPr>
           <p:spPr>
             <a:xfrm>
-              <a:off x="7599458" y="3634566"/>
+              <a:off x="7594695" y="3634566"/>
               <a:ext cx="296614" cy="111397"/>
             </a:xfrm>
             <a:prstGeom prst="rect">
@@ -4614,7 +4614,7 @@
           </p:nvSpPr>
           <p:spPr>
             <a:xfrm>
-              <a:off x="7599458" y="3120577"/>
+              <a:off x="7594695" y="3120577"/>
               <a:ext cx="296614" cy="111397"/>
             </a:xfrm>
             <a:prstGeom prst="rect">
@@ -4660,21 +4660,21 @@
           </p:nvSpPr>
           <p:spPr>
             <a:xfrm>
-              <a:off x="7334282" y="2872359"/>
-              <a:ext cx="82295" cy="1635252"/>
+              <a:off x="7329519" y="2872359"/>
+              <a:ext cx="82296" cy="1635252"/>
             </a:xfrm>
             <a:custGeom>
               <a:avLst/>
               <a:pathLst>
-                <a:path w="82295" h="1635252">
+                <a:path w="82296" h="1635252">
                   <a:moveTo>
                     <a:pt x="0" y="1635252"/>
                   </a:moveTo>
                   <a:lnTo>
-                    <a:pt x="82295" y="1635252"/>
+                    <a:pt x="82296" y="1635252"/>
                   </a:lnTo>
                   <a:lnTo>
-                    <a:pt x="82295" y="0"/>
+                    <a:pt x="82296" y="0"/>
                   </a:lnTo>
                   <a:lnTo>
                     <a:pt x="0" y="0"/>
@@ -4709,21 +4709,21 @@
           </p:nvSpPr>
           <p:spPr>
             <a:xfrm>
-              <a:off x="3331877" y="2054733"/>
-              <a:ext cx="3714368" cy="3270504"/>
+              <a:off x="3336639" y="2054733"/>
+              <a:ext cx="3704843" cy="3270504"/>
             </a:xfrm>
             <a:custGeom>
               <a:avLst/>
               <a:pathLst>
-                <a:path w="3714368" h="3270504">
+                <a:path w="3704843" h="3270504">
                   <a:moveTo>
                     <a:pt x="0" y="3270504"/>
                   </a:moveTo>
                   <a:lnTo>
-                    <a:pt x="3714368" y="3270504"/>
+                    <a:pt x="3704843" y="3270504"/>
                   </a:lnTo>
                   <a:lnTo>
-                    <a:pt x="3714368" y="0"/>
+                    <a:pt x="3704843" y="0"/>
                   </a:lnTo>
                   <a:lnTo>
                     <a:pt x="0" y="0"/>
